--- a/Stats.pptx
+++ b/Stats.pptx
@@ -261,7 +261,7 @@
           <a:p>
             <a:fld id="{0CD11F3D-2B95-4A92-BCFD-96E47BDCDB76}" type="datetimeFigureOut">
               <a:rPr lang="en-IN" smtClean="0"/>
-              <a:t>29-09-2022</a:t>
+              <a:t>30-09-2022</a:t>
             </a:fld>
             <a:endParaRPr lang="en-IN"/>
           </a:p>
@@ -461,7 +461,7 @@
           <a:p>
             <a:fld id="{0CD11F3D-2B95-4A92-BCFD-96E47BDCDB76}" type="datetimeFigureOut">
               <a:rPr lang="en-IN" smtClean="0"/>
-              <a:t>29-09-2022</a:t>
+              <a:t>30-09-2022</a:t>
             </a:fld>
             <a:endParaRPr lang="en-IN"/>
           </a:p>
@@ -671,7 +671,7 @@
           <a:p>
             <a:fld id="{0CD11F3D-2B95-4A92-BCFD-96E47BDCDB76}" type="datetimeFigureOut">
               <a:rPr lang="en-IN" smtClean="0"/>
-              <a:t>29-09-2022</a:t>
+              <a:t>30-09-2022</a:t>
             </a:fld>
             <a:endParaRPr lang="en-IN"/>
           </a:p>
@@ -871,7 +871,7 @@
           <a:p>
             <a:fld id="{0CD11F3D-2B95-4A92-BCFD-96E47BDCDB76}" type="datetimeFigureOut">
               <a:rPr lang="en-IN" smtClean="0"/>
-              <a:t>29-09-2022</a:t>
+              <a:t>30-09-2022</a:t>
             </a:fld>
             <a:endParaRPr lang="en-IN"/>
           </a:p>
@@ -1147,7 +1147,7 @@
           <a:p>
             <a:fld id="{0CD11F3D-2B95-4A92-BCFD-96E47BDCDB76}" type="datetimeFigureOut">
               <a:rPr lang="en-IN" smtClean="0"/>
-              <a:t>29-09-2022</a:t>
+              <a:t>30-09-2022</a:t>
             </a:fld>
             <a:endParaRPr lang="en-IN"/>
           </a:p>
@@ -1415,7 +1415,7 @@
           <a:p>
             <a:fld id="{0CD11F3D-2B95-4A92-BCFD-96E47BDCDB76}" type="datetimeFigureOut">
               <a:rPr lang="en-IN" smtClean="0"/>
-              <a:t>29-09-2022</a:t>
+              <a:t>30-09-2022</a:t>
             </a:fld>
             <a:endParaRPr lang="en-IN"/>
           </a:p>
@@ -1830,7 +1830,7 @@
           <a:p>
             <a:fld id="{0CD11F3D-2B95-4A92-BCFD-96E47BDCDB76}" type="datetimeFigureOut">
               <a:rPr lang="en-IN" smtClean="0"/>
-              <a:t>29-09-2022</a:t>
+              <a:t>30-09-2022</a:t>
             </a:fld>
             <a:endParaRPr lang="en-IN"/>
           </a:p>
@@ -1972,7 +1972,7 @@
           <a:p>
             <a:fld id="{0CD11F3D-2B95-4A92-BCFD-96E47BDCDB76}" type="datetimeFigureOut">
               <a:rPr lang="en-IN" smtClean="0"/>
-              <a:t>29-09-2022</a:t>
+              <a:t>30-09-2022</a:t>
             </a:fld>
             <a:endParaRPr lang="en-IN"/>
           </a:p>
@@ -2085,7 +2085,7 @@
           <a:p>
             <a:fld id="{0CD11F3D-2B95-4A92-BCFD-96E47BDCDB76}" type="datetimeFigureOut">
               <a:rPr lang="en-IN" smtClean="0"/>
-              <a:t>29-09-2022</a:t>
+              <a:t>30-09-2022</a:t>
             </a:fld>
             <a:endParaRPr lang="en-IN"/>
           </a:p>
@@ -2398,7 +2398,7 @@
           <a:p>
             <a:fld id="{0CD11F3D-2B95-4A92-BCFD-96E47BDCDB76}" type="datetimeFigureOut">
               <a:rPr lang="en-IN" smtClean="0"/>
-              <a:t>29-09-2022</a:t>
+              <a:t>30-09-2022</a:t>
             </a:fld>
             <a:endParaRPr lang="en-IN"/>
           </a:p>
@@ -2687,7 +2687,7 @@
           <a:p>
             <a:fld id="{0CD11F3D-2B95-4A92-BCFD-96E47BDCDB76}" type="datetimeFigureOut">
               <a:rPr lang="en-IN" smtClean="0"/>
-              <a:t>29-09-2022</a:t>
+              <a:t>30-09-2022</a:t>
             </a:fld>
             <a:endParaRPr lang="en-IN"/>
           </a:p>
@@ -2930,7 +2930,7 @@
           <a:p>
             <a:fld id="{0CD11F3D-2B95-4A92-BCFD-96E47BDCDB76}" type="datetimeFigureOut">
               <a:rPr lang="en-IN" smtClean="0"/>
-              <a:t>29-09-2022</a:t>
+              <a:t>30-09-2022</a:t>
             </a:fld>
             <a:endParaRPr lang="en-IN"/>
           </a:p>
@@ -3362,7 +3362,7 @@
         <p:spPr>
           <a:xfrm>
             <a:off x="213064" y="248575"/>
-            <a:ext cx="11745157" cy="2308324"/>
+            <a:ext cx="11745157" cy="2585323"/>
           </a:xfrm>
           <a:prstGeom prst="rect">
             <a:avLst/>
@@ -3453,7 +3453,20 @@
             </a:r>
           </a:p>
           <a:p>
-            <a:endParaRPr lang="en-IN" dirty="0"/>
+            <a:r>
+              <a:rPr lang="en-IN" dirty="0"/>
+              <a:t>Day 2:</a:t>
+            </a:r>
+          </a:p>
+          <a:p>
+            <a:pPr marL="285750" indent="-285750">
+              <a:buFont typeface="Arial" panose="020B0604020202020204" pitchFamily="34" charset="0"/>
+              <a:buChar char="•"/>
+            </a:pPr>
+            <a:r>
+              <a:rPr lang="en-IN" dirty="0"/>
+              <a:t>Methods , passing parameters to a method and calling methods. </a:t>
+            </a:r>
           </a:p>
         </p:txBody>
       </p:sp>

--- a/Stats.pptx
+++ b/Stats.pptx
@@ -261,7 +261,7 @@
           <a:p>
             <a:fld id="{0CD11F3D-2B95-4A92-BCFD-96E47BDCDB76}" type="datetimeFigureOut">
               <a:rPr lang="en-IN" smtClean="0"/>
-              <a:t>30-09-2022</a:t>
+              <a:t>01-10-2022</a:t>
             </a:fld>
             <a:endParaRPr lang="en-IN"/>
           </a:p>
@@ -461,7 +461,7 @@
           <a:p>
             <a:fld id="{0CD11F3D-2B95-4A92-BCFD-96E47BDCDB76}" type="datetimeFigureOut">
               <a:rPr lang="en-IN" smtClean="0"/>
-              <a:t>30-09-2022</a:t>
+              <a:t>01-10-2022</a:t>
             </a:fld>
             <a:endParaRPr lang="en-IN"/>
           </a:p>
@@ -671,7 +671,7 @@
           <a:p>
             <a:fld id="{0CD11F3D-2B95-4A92-BCFD-96E47BDCDB76}" type="datetimeFigureOut">
               <a:rPr lang="en-IN" smtClean="0"/>
-              <a:t>30-09-2022</a:t>
+              <a:t>01-10-2022</a:t>
             </a:fld>
             <a:endParaRPr lang="en-IN"/>
           </a:p>
@@ -871,7 +871,7 @@
           <a:p>
             <a:fld id="{0CD11F3D-2B95-4A92-BCFD-96E47BDCDB76}" type="datetimeFigureOut">
               <a:rPr lang="en-IN" smtClean="0"/>
-              <a:t>30-09-2022</a:t>
+              <a:t>01-10-2022</a:t>
             </a:fld>
             <a:endParaRPr lang="en-IN"/>
           </a:p>
@@ -1147,7 +1147,7 @@
           <a:p>
             <a:fld id="{0CD11F3D-2B95-4A92-BCFD-96E47BDCDB76}" type="datetimeFigureOut">
               <a:rPr lang="en-IN" smtClean="0"/>
-              <a:t>30-09-2022</a:t>
+              <a:t>01-10-2022</a:t>
             </a:fld>
             <a:endParaRPr lang="en-IN"/>
           </a:p>
@@ -1415,7 +1415,7 @@
           <a:p>
             <a:fld id="{0CD11F3D-2B95-4A92-BCFD-96E47BDCDB76}" type="datetimeFigureOut">
               <a:rPr lang="en-IN" smtClean="0"/>
-              <a:t>30-09-2022</a:t>
+              <a:t>01-10-2022</a:t>
             </a:fld>
             <a:endParaRPr lang="en-IN"/>
           </a:p>
@@ -1830,7 +1830,7 @@
           <a:p>
             <a:fld id="{0CD11F3D-2B95-4A92-BCFD-96E47BDCDB76}" type="datetimeFigureOut">
               <a:rPr lang="en-IN" smtClean="0"/>
-              <a:t>30-09-2022</a:t>
+              <a:t>01-10-2022</a:t>
             </a:fld>
             <a:endParaRPr lang="en-IN"/>
           </a:p>
@@ -1972,7 +1972,7 @@
           <a:p>
             <a:fld id="{0CD11F3D-2B95-4A92-BCFD-96E47BDCDB76}" type="datetimeFigureOut">
               <a:rPr lang="en-IN" smtClean="0"/>
-              <a:t>30-09-2022</a:t>
+              <a:t>01-10-2022</a:t>
             </a:fld>
             <a:endParaRPr lang="en-IN"/>
           </a:p>
@@ -2085,7 +2085,7 @@
           <a:p>
             <a:fld id="{0CD11F3D-2B95-4A92-BCFD-96E47BDCDB76}" type="datetimeFigureOut">
               <a:rPr lang="en-IN" smtClean="0"/>
-              <a:t>30-09-2022</a:t>
+              <a:t>01-10-2022</a:t>
             </a:fld>
             <a:endParaRPr lang="en-IN"/>
           </a:p>
@@ -2398,7 +2398,7 @@
           <a:p>
             <a:fld id="{0CD11F3D-2B95-4A92-BCFD-96E47BDCDB76}" type="datetimeFigureOut">
               <a:rPr lang="en-IN" smtClean="0"/>
-              <a:t>30-09-2022</a:t>
+              <a:t>01-10-2022</a:t>
             </a:fld>
             <a:endParaRPr lang="en-IN"/>
           </a:p>
@@ -2687,7 +2687,7 @@
           <a:p>
             <a:fld id="{0CD11F3D-2B95-4A92-BCFD-96E47BDCDB76}" type="datetimeFigureOut">
               <a:rPr lang="en-IN" smtClean="0"/>
-              <a:t>30-09-2022</a:t>
+              <a:t>01-10-2022</a:t>
             </a:fld>
             <a:endParaRPr lang="en-IN"/>
           </a:p>
@@ -2930,7 +2930,7 @@
           <a:p>
             <a:fld id="{0CD11F3D-2B95-4A92-BCFD-96E47BDCDB76}" type="datetimeFigureOut">
               <a:rPr lang="en-IN" smtClean="0"/>
-              <a:t>30-09-2022</a:t>
+              <a:t>01-10-2022</a:t>
             </a:fld>
             <a:endParaRPr lang="en-IN"/>
           </a:p>
@@ -3362,7 +3362,7 @@
         <p:spPr>
           <a:xfrm>
             <a:off x="213064" y="248575"/>
-            <a:ext cx="11745157" cy="2585323"/>
+            <a:ext cx="11745157" cy="3416320"/>
           </a:xfrm>
           <a:prstGeom prst="rect">
             <a:avLst/>
@@ -3466,6 +3466,32 @@
             <a:r>
               <a:rPr lang="en-IN" dirty="0"/>
               <a:t>Methods , passing parameters to a method and calling methods. </a:t>
+            </a:r>
+          </a:p>
+          <a:p>
+            <a:r>
+              <a:rPr lang="en-IN" dirty="0"/>
+              <a:t>Day3:</a:t>
+            </a:r>
+          </a:p>
+          <a:p>
+            <a:pPr marL="285750" indent="-285750">
+              <a:buFont typeface="Arial" panose="020B0604020202020204" pitchFamily="34" charset="0"/>
+              <a:buChar char="•"/>
+            </a:pPr>
+            <a:r>
+              <a:rPr lang="en-IN" dirty="0"/>
+              <a:t>One Dimensional Array</a:t>
+            </a:r>
+          </a:p>
+          <a:p>
+            <a:pPr marL="285750" indent="-285750">
+              <a:buFont typeface="Arial" panose="020B0604020202020204" pitchFamily="34" charset="0"/>
+              <a:buChar char="•"/>
+            </a:pPr>
+            <a:r>
+              <a:rPr lang="en-IN" dirty="0"/>
+              <a:t>ForEach Loop</a:t>
             </a:r>
           </a:p>
         </p:txBody>

--- a/Stats.pptx
+++ b/Stats.pptx
@@ -261,7 +261,7 @@
           <a:p>
             <a:fld id="{0CD11F3D-2B95-4A92-BCFD-96E47BDCDB76}" type="datetimeFigureOut">
               <a:rPr lang="en-IN" smtClean="0"/>
-              <a:t>01-10-2022</a:t>
+              <a:t>02-10-2022</a:t>
             </a:fld>
             <a:endParaRPr lang="en-IN"/>
           </a:p>
@@ -461,7 +461,7 @@
           <a:p>
             <a:fld id="{0CD11F3D-2B95-4A92-BCFD-96E47BDCDB76}" type="datetimeFigureOut">
               <a:rPr lang="en-IN" smtClean="0"/>
-              <a:t>01-10-2022</a:t>
+              <a:t>02-10-2022</a:t>
             </a:fld>
             <a:endParaRPr lang="en-IN"/>
           </a:p>
@@ -671,7 +671,7 @@
           <a:p>
             <a:fld id="{0CD11F3D-2B95-4A92-BCFD-96E47BDCDB76}" type="datetimeFigureOut">
               <a:rPr lang="en-IN" smtClean="0"/>
-              <a:t>01-10-2022</a:t>
+              <a:t>02-10-2022</a:t>
             </a:fld>
             <a:endParaRPr lang="en-IN"/>
           </a:p>
@@ -871,7 +871,7 @@
           <a:p>
             <a:fld id="{0CD11F3D-2B95-4A92-BCFD-96E47BDCDB76}" type="datetimeFigureOut">
               <a:rPr lang="en-IN" smtClean="0"/>
-              <a:t>01-10-2022</a:t>
+              <a:t>02-10-2022</a:t>
             </a:fld>
             <a:endParaRPr lang="en-IN"/>
           </a:p>
@@ -1147,7 +1147,7 @@
           <a:p>
             <a:fld id="{0CD11F3D-2B95-4A92-BCFD-96E47BDCDB76}" type="datetimeFigureOut">
               <a:rPr lang="en-IN" smtClean="0"/>
-              <a:t>01-10-2022</a:t>
+              <a:t>02-10-2022</a:t>
             </a:fld>
             <a:endParaRPr lang="en-IN"/>
           </a:p>
@@ -1415,7 +1415,7 @@
           <a:p>
             <a:fld id="{0CD11F3D-2B95-4A92-BCFD-96E47BDCDB76}" type="datetimeFigureOut">
               <a:rPr lang="en-IN" smtClean="0"/>
-              <a:t>01-10-2022</a:t>
+              <a:t>02-10-2022</a:t>
             </a:fld>
             <a:endParaRPr lang="en-IN"/>
           </a:p>
@@ -1830,7 +1830,7 @@
           <a:p>
             <a:fld id="{0CD11F3D-2B95-4A92-BCFD-96E47BDCDB76}" type="datetimeFigureOut">
               <a:rPr lang="en-IN" smtClean="0"/>
-              <a:t>01-10-2022</a:t>
+              <a:t>02-10-2022</a:t>
             </a:fld>
             <a:endParaRPr lang="en-IN"/>
           </a:p>
@@ -1972,7 +1972,7 @@
           <a:p>
             <a:fld id="{0CD11F3D-2B95-4A92-BCFD-96E47BDCDB76}" type="datetimeFigureOut">
               <a:rPr lang="en-IN" smtClean="0"/>
-              <a:t>01-10-2022</a:t>
+              <a:t>02-10-2022</a:t>
             </a:fld>
             <a:endParaRPr lang="en-IN"/>
           </a:p>
@@ -2085,7 +2085,7 @@
           <a:p>
             <a:fld id="{0CD11F3D-2B95-4A92-BCFD-96E47BDCDB76}" type="datetimeFigureOut">
               <a:rPr lang="en-IN" smtClean="0"/>
-              <a:t>01-10-2022</a:t>
+              <a:t>02-10-2022</a:t>
             </a:fld>
             <a:endParaRPr lang="en-IN"/>
           </a:p>
@@ -2398,7 +2398,7 @@
           <a:p>
             <a:fld id="{0CD11F3D-2B95-4A92-BCFD-96E47BDCDB76}" type="datetimeFigureOut">
               <a:rPr lang="en-IN" smtClean="0"/>
-              <a:t>01-10-2022</a:t>
+              <a:t>02-10-2022</a:t>
             </a:fld>
             <a:endParaRPr lang="en-IN"/>
           </a:p>
@@ -2687,7 +2687,7 @@
           <a:p>
             <a:fld id="{0CD11F3D-2B95-4A92-BCFD-96E47BDCDB76}" type="datetimeFigureOut">
               <a:rPr lang="en-IN" smtClean="0"/>
-              <a:t>01-10-2022</a:t>
+              <a:t>02-10-2022</a:t>
             </a:fld>
             <a:endParaRPr lang="en-IN"/>
           </a:p>
@@ -2930,7 +2930,7 @@
           <a:p>
             <a:fld id="{0CD11F3D-2B95-4A92-BCFD-96E47BDCDB76}" type="datetimeFigureOut">
               <a:rPr lang="en-IN" smtClean="0"/>
-              <a:t>01-10-2022</a:t>
+              <a:t>02-10-2022</a:t>
             </a:fld>
             <a:endParaRPr lang="en-IN"/>
           </a:p>
@@ -3362,7 +3362,7 @@
         <p:spPr>
           <a:xfrm>
             <a:off x="213064" y="248575"/>
-            <a:ext cx="11745157" cy="3416320"/>
+            <a:ext cx="11745157" cy="3970318"/>
           </a:xfrm>
           <a:prstGeom prst="rect">
             <a:avLst/>
@@ -3471,7 +3471,7 @@
           <a:p>
             <a:r>
               <a:rPr lang="en-IN" dirty="0"/>
-              <a:t>Day3:</a:t>
+              <a:t>Day 3:</a:t>
             </a:r>
           </a:p>
           <a:p>
@@ -3490,9 +3490,34 @@
               <a:buChar char="•"/>
             </a:pPr>
             <a:r>
+              <a:rPr lang="en-IN" dirty="0" err="1"/>
+              <a:t>ForEach</a:t>
+            </a:r>
+            <a:r>
               <a:rPr lang="en-IN" dirty="0"/>
-              <a:t>ForEach Loop</a:t>
-            </a:r>
+              <a:t> Loop</a:t>
+            </a:r>
+          </a:p>
+          <a:p>
+            <a:r>
+              <a:rPr lang="en-IN" dirty="0"/>
+              <a:t>Day 4:</a:t>
+            </a:r>
+          </a:p>
+          <a:p>
+            <a:pPr marL="285750" indent="-285750">
+              <a:buFont typeface="Arial" panose="020B0604020202020204" pitchFamily="34" charset="0"/>
+              <a:buChar char="•"/>
+            </a:pPr>
+            <a:r>
+              <a:rPr lang="en-IN" dirty="0"/>
+              <a:t>Two </a:t>
+            </a:r>
+            <a:r>
+              <a:rPr lang="en-IN"/>
+              <a:t>Dimensional Array</a:t>
+            </a:r>
+            <a:endParaRPr lang="en-IN" dirty="0"/>
           </a:p>
         </p:txBody>
       </p:sp>

--- a/Stats.pptx
+++ b/Stats.pptx
@@ -261,7 +261,7 @@
           <a:p>
             <a:fld id="{0CD11F3D-2B95-4A92-BCFD-96E47BDCDB76}" type="datetimeFigureOut">
               <a:rPr lang="en-IN" smtClean="0"/>
-              <a:t>02-10-2022</a:t>
+              <a:t>03-10-2022</a:t>
             </a:fld>
             <a:endParaRPr lang="en-IN"/>
           </a:p>
@@ -461,7 +461,7 @@
           <a:p>
             <a:fld id="{0CD11F3D-2B95-4A92-BCFD-96E47BDCDB76}" type="datetimeFigureOut">
               <a:rPr lang="en-IN" smtClean="0"/>
-              <a:t>02-10-2022</a:t>
+              <a:t>03-10-2022</a:t>
             </a:fld>
             <a:endParaRPr lang="en-IN"/>
           </a:p>
@@ -671,7 +671,7 @@
           <a:p>
             <a:fld id="{0CD11F3D-2B95-4A92-BCFD-96E47BDCDB76}" type="datetimeFigureOut">
               <a:rPr lang="en-IN" smtClean="0"/>
-              <a:t>02-10-2022</a:t>
+              <a:t>03-10-2022</a:t>
             </a:fld>
             <a:endParaRPr lang="en-IN"/>
           </a:p>
@@ -871,7 +871,7 @@
           <a:p>
             <a:fld id="{0CD11F3D-2B95-4A92-BCFD-96E47BDCDB76}" type="datetimeFigureOut">
               <a:rPr lang="en-IN" smtClean="0"/>
-              <a:t>02-10-2022</a:t>
+              <a:t>03-10-2022</a:t>
             </a:fld>
             <a:endParaRPr lang="en-IN"/>
           </a:p>
@@ -1147,7 +1147,7 @@
           <a:p>
             <a:fld id="{0CD11F3D-2B95-4A92-BCFD-96E47BDCDB76}" type="datetimeFigureOut">
               <a:rPr lang="en-IN" smtClean="0"/>
-              <a:t>02-10-2022</a:t>
+              <a:t>03-10-2022</a:t>
             </a:fld>
             <a:endParaRPr lang="en-IN"/>
           </a:p>
@@ -1415,7 +1415,7 @@
           <a:p>
             <a:fld id="{0CD11F3D-2B95-4A92-BCFD-96E47BDCDB76}" type="datetimeFigureOut">
               <a:rPr lang="en-IN" smtClean="0"/>
-              <a:t>02-10-2022</a:t>
+              <a:t>03-10-2022</a:t>
             </a:fld>
             <a:endParaRPr lang="en-IN"/>
           </a:p>
@@ -1830,7 +1830,7 @@
           <a:p>
             <a:fld id="{0CD11F3D-2B95-4A92-BCFD-96E47BDCDB76}" type="datetimeFigureOut">
               <a:rPr lang="en-IN" smtClean="0"/>
-              <a:t>02-10-2022</a:t>
+              <a:t>03-10-2022</a:t>
             </a:fld>
             <a:endParaRPr lang="en-IN"/>
           </a:p>
@@ -1972,7 +1972,7 @@
           <a:p>
             <a:fld id="{0CD11F3D-2B95-4A92-BCFD-96E47BDCDB76}" type="datetimeFigureOut">
               <a:rPr lang="en-IN" smtClean="0"/>
-              <a:t>02-10-2022</a:t>
+              <a:t>03-10-2022</a:t>
             </a:fld>
             <a:endParaRPr lang="en-IN"/>
           </a:p>
@@ -2085,7 +2085,7 @@
           <a:p>
             <a:fld id="{0CD11F3D-2B95-4A92-BCFD-96E47BDCDB76}" type="datetimeFigureOut">
               <a:rPr lang="en-IN" smtClean="0"/>
-              <a:t>02-10-2022</a:t>
+              <a:t>03-10-2022</a:t>
             </a:fld>
             <a:endParaRPr lang="en-IN"/>
           </a:p>
@@ -2398,7 +2398,7 @@
           <a:p>
             <a:fld id="{0CD11F3D-2B95-4A92-BCFD-96E47BDCDB76}" type="datetimeFigureOut">
               <a:rPr lang="en-IN" smtClean="0"/>
-              <a:t>02-10-2022</a:t>
+              <a:t>03-10-2022</a:t>
             </a:fld>
             <a:endParaRPr lang="en-IN"/>
           </a:p>
@@ -2687,7 +2687,7 @@
           <a:p>
             <a:fld id="{0CD11F3D-2B95-4A92-BCFD-96E47BDCDB76}" type="datetimeFigureOut">
               <a:rPr lang="en-IN" smtClean="0"/>
-              <a:t>02-10-2022</a:t>
+              <a:t>03-10-2022</a:t>
             </a:fld>
             <a:endParaRPr lang="en-IN"/>
           </a:p>
@@ -2930,7 +2930,7 @@
           <a:p>
             <a:fld id="{0CD11F3D-2B95-4A92-BCFD-96E47BDCDB76}" type="datetimeFigureOut">
               <a:rPr lang="en-IN" smtClean="0"/>
-              <a:t>02-10-2022</a:t>
+              <a:t>03-10-2022</a:t>
             </a:fld>
             <a:endParaRPr lang="en-IN"/>
           </a:p>
@@ -3362,7 +3362,7 @@
         <p:spPr>
           <a:xfrm>
             <a:off x="213064" y="248575"/>
-            <a:ext cx="11745157" cy="3970318"/>
+            <a:ext cx="11745157" cy="4524315"/>
           </a:xfrm>
           <a:prstGeom prst="rect">
             <a:avLst/>
@@ -3511,13 +3511,24 @@
             </a:pPr>
             <a:r>
               <a:rPr lang="en-IN" dirty="0"/>
-              <a:t>Two </a:t>
-            </a:r>
-            <a:r>
-              <a:rPr lang="en-IN"/>
-              <a:t>Dimensional Array</a:t>
-            </a:r>
-            <a:endParaRPr lang="en-IN" dirty="0"/>
+              <a:t>Two Dimensional Array</a:t>
+            </a:r>
+          </a:p>
+          <a:p>
+            <a:r>
+              <a:rPr lang="en-IN" dirty="0"/>
+              <a:t>Day 5:</a:t>
+            </a:r>
+          </a:p>
+          <a:p>
+            <a:pPr marL="285750" indent="-285750">
+              <a:buFont typeface="Arial" panose="020B0604020202020204" pitchFamily="34" charset="0"/>
+              <a:buChar char="•"/>
+            </a:pPr>
+            <a:r>
+              <a:rPr lang="en-IN" dirty="0"/>
+              <a:t>Learned Strings and Practiced some basic questions on strings</a:t>
+            </a:r>
           </a:p>
         </p:txBody>
       </p:sp>

--- a/Stats.pptx
+++ b/Stats.pptx
@@ -261,7 +261,7 @@
           <a:p>
             <a:fld id="{0CD11F3D-2B95-4A92-BCFD-96E47BDCDB76}" type="datetimeFigureOut">
               <a:rPr lang="en-IN" smtClean="0"/>
-              <a:t>03-10-2022</a:t>
+              <a:t>04-10-2022</a:t>
             </a:fld>
             <a:endParaRPr lang="en-IN"/>
           </a:p>
@@ -461,7 +461,7 @@
           <a:p>
             <a:fld id="{0CD11F3D-2B95-4A92-BCFD-96E47BDCDB76}" type="datetimeFigureOut">
               <a:rPr lang="en-IN" smtClean="0"/>
-              <a:t>03-10-2022</a:t>
+              <a:t>04-10-2022</a:t>
             </a:fld>
             <a:endParaRPr lang="en-IN"/>
           </a:p>
@@ -671,7 +671,7 @@
           <a:p>
             <a:fld id="{0CD11F3D-2B95-4A92-BCFD-96E47BDCDB76}" type="datetimeFigureOut">
               <a:rPr lang="en-IN" smtClean="0"/>
-              <a:t>03-10-2022</a:t>
+              <a:t>04-10-2022</a:t>
             </a:fld>
             <a:endParaRPr lang="en-IN"/>
           </a:p>
@@ -871,7 +871,7 @@
           <a:p>
             <a:fld id="{0CD11F3D-2B95-4A92-BCFD-96E47BDCDB76}" type="datetimeFigureOut">
               <a:rPr lang="en-IN" smtClean="0"/>
-              <a:t>03-10-2022</a:t>
+              <a:t>04-10-2022</a:t>
             </a:fld>
             <a:endParaRPr lang="en-IN"/>
           </a:p>
@@ -1147,7 +1147,7 @@
           <a:p>
             <a:fld id="{0CD11F3D-2B95-4A92-BCFD-96E47BDCDB76}" type="datetimeFigureOut">
               <a:rPr lang="en-IN" smtClean="0"/>
-              <a:t>03-10-2022</a:t>
+              <a:t>04-10-2022</a:t>
             </a:fld>
             <a:endParaRPr lang="en-IN"/>
           </a:p>
@@ -1415,7 +1415,7 @@
           <a:p>
             <a:fld id="{0CD11F3D-2B95-4A92-BCFD-96E47BDCDB76}" type="datetimeFigureOut">
               <a:rPr lang="en-IN" smtClean="0"/>
-              <a:t>03-10-2022</a:t>
+              <a:t>04-10-2022</a:t>
             </a:fld>
             <a:endParaRPr lang="en-IN"/>
           </a:p>
@@ -1830,7 +1830,7 @@
           <a:p>
             <a:fld id="{0CD11F3D-2B95-4A92-BCFD-96E47BDCDB76}" type="datetimeFigureOut">
               <a:rPr lang="en-IN" smtClean="0"/>
-              <a:t>03-10-2022</a:t>
+              <a:t>04-10-2022</a:t>
             </a:fld>
             <a:endParaRPr lang="en-IN"/>
           </a:p>
@@ -1972,7 +1972,7 @@
           <a:p>
             <a:fld id="{0CD11F3D-2B95-4A92-BCFD-96E47BDCDB76}" type="datetimeFigureOut">
               <a:rPr lang="en-IN" smtClean="0"/>
-              <a:t>03-10-2022</a:t>
+              <a:t>04-10-2022</a:t>
             </a:fld>
             <a:endParaRPr lang="en-IN"/>
           </a:p>
@@ -2085,7 +2085,7 @@
           <a:p>
             <a:fld id="{0CD11F3D-2B95-4A92-BCFD-96E47BDCDB76}" type="datetimeFigureOut">
               <a:rPr lang="en-IN" smtClean="0"/>
-              <a:t>03-10-2022</a:t>
+              <a:t>04-10-2022</a:t>
             </a:fld>
             <a:endParaRPr lang="en-IN"/>
           </a:p>
@@ -2398,7 +2398,7 @@
           <a:p>
             <a:fld id="{0CD11F3D-2B95-4A92-BCFD-96E47BDCDB76}" type="datetimeFigureOut">
               <a:rPr lang="en-IN" smtClean="0"/>
-              <a:t>03-10-2022</a:t>
+              <a:t>04-10-2022</a:t>
             </a:fld>
             <a:endParaRPr lang="en-IN"/>
           </a:p>
@@ -2687,7 +2687,7 @@
           <a:p>
             <a:fld id="{0CD11F3D-2B95-4A92-BCFD-96E47BDCDB76}" type="datetimeFigureOut">
               <a:rPr lang="en-IN" smtClean="0"/>
-              <a:t>03-10-2022</a:t>
+              <a:t>04-10-2022</a:t>
             </a:fld>
             <a:endParaRPr lang="en-IN"/>
           </a:p>
@@ -2930,7 +2930,7 @@
           <a:p>
             <a:fld id="{0CD11F3D-2B95-4A92-BCFD-96E47BDCDB76}" type="datetimeFigureOut">
               <a:rPr lang="en-IN" smtClean="0"/>
-              <a:t>03-10-2022</a:t>
+              <a:t>04-10-2022</a:t>
             </a:fld>
             <a:endParaRPr lang="en-IN"/>
           </a:p>
@@ -3362,7 +3362,7 @@
         <p:spPr>
           <a:xfrm>
             <a:off x="213064" y="248575"/>
-            <a:ext cx="11745157" cy="4524315"/>
+            <a:ext cx="11745157" cy="5078313"/>
           </a:xfrm>
           <a:prstGeom prst="rect">
             <a:avLst/>
@@ -3529,6 +3529,27 @@
               <a:rPr lang="en-IN" dirty="0"/>
               <a:t>Learned Strings and Practiced some basic questions on strings</a:t>
             </a:r>
+          </a:p>
+          <a:p>
+            <a:r>
+              <a:rPr lang="en-IN" dirty="0"/>
+              <a:t>Day 6:</a:t>
+            </a:r>
+          </a:p>
+          <a:p>
+            <a:pPr marL="285750" indent="-285750">
+              <a:buFont typeface="Arial" panose="020B0604020202020204" pitchFamily="34" charset="0"/>
+              <a:buChar char="•"/>
+            </a:pPr>
+            <a:r>
+              <a:rPr lang="en-IN" dirty="0"/>
+              <a:t>Practiced question on </a:t>
+            </a:r>
+            <a:r>
+              <a:rPr lang="en-IN"/>
+              <a:t>string compression</a:t>
+            </a:r>
+            <a:endParaRPr lang="en-IN" dirty="0"/>
           </a:p>
         </p:txBody>
       </p:sp>

--- a/Stats.pptx
+++ b/Stats.pptx
@@ -261,7 +261,7 @@
           <a:p>
             <a:fld id="{0CD11F3D-2B95-4A92-BCFD-96E47BDCDB76}" type="datetimeFigureOut">
               <a:rPr lang="en-IN" smtClean="0"/>
-              <a:t>04-10-2022</a:t>
+              <a:t>05-10-2022</a:t>
             </a:fld>
             <a:endParaRPr lang="en-IN"/>
           </a:p>
@@ -461,7 +461,7 @@
           <a:p>
             <a:fld id="{0CD11F3D-2B95-4A92-BCFD-96E47BDCDB76}" type="datetimeFigureOut">
               <a:rPr lang="en-IN" smtClean="0"/>
-              <a:t>04-10-2022</a:t>
+              <a:t>05-10-2022</a:t>
             </a:fld>
             <a:endParaRPr lang="en-IN"/>
           </a:p>
@@ -671,7 +671,7 @@
           <a:p>
             <a:fld id="{0CD11F3D-2B95-4A92-BCFD-96E47BDCDB76}" type="datetimeFigureOut">
               <a:rPr lang="en-IN" smtClean="0"/>
-              <a:t>04-10-2022</a:t>
+              <a:t>05-10-2022</a:t>
             </a:fld>
             <a:endParaRPr lang="en-IN"/>
           </a:p>
@@ -871,7 +871,7 @@
           <a:p>
             <a:fld id="{0CD11F3D-2B95-4A92-BCFD-96E47BDCDB76}" type="datetimeFigureOut">
               <a:rPr lang="en-IN" smtClean="0"/>
-              <a:t>04-10-2022</a:t>
+              <a:t>05-10-2022</a:t>
             </a:fld>
             <a:endParaRPr lang="en-IN"/>
           </a:p>
@@ -1147,7 +1147,7 @@
           <a:p>
             <a:fld id="{0CD11F3D-2B95-4A92-BCFD-96E47BDCDB76}" type="datetimeFigureOut">
               <a:rPr lang="en-IN" smtClean="0"/>
-              <a:t>04-10-2022</a:t>
+              <a:t>05-10-2022</a:t>
             </a:fld>
             <a:endParaRPr lang="en-IN"/>
           </a:p>
@@ -1415,7 +1415,7 @@
           <a:p>
             <a:fld id="{0CD11F3D-2B95-4A92-BCFD-96E47BDCDB76}" type="datetimeFigureOut">
               <a:rPr lang="en-IN" smtClean="0"/>
-              <a:t>04-10-2022</a:t>
+              <a:t>05-10-2022</a:t>
             </a:fld>
             <a:endParaRPr lang="en-IN"/>
           </a:p>
@@ -1830,7 +1830,7 @@
           <a:p>
             <a:fld id="{0CD11F3D-2B95-4A92-BCFD-96E47BDCDB76}" type="datetimeFigureOut">
               <a:rPr lang="en-IN" smtClean="0"/>
-              <a:t>04-10-2022</a:t>
+              <a:t>05-10-2022</a:t>
             </a:fld>
             <a:endParaRPr lang="en-IN"/>
           </a:p>
@@ -1972,7 +1972,7 @@
           <a:p>
             <a:fld id="{0CD11F3D-2B95-4A92-BCFD-96E47BDCDB76}" type="datetimeFigureOut">
               <a:rPr lang="en-IN" smtClean="0"/>
-              <a:t>04-10-2022</a:t>
+              <a:t>05-10-2022</a:t>
             </a:fld>
             <a:endParaRPr lang="en-IN"/>
           </a:p>
@@ -2085,7 +2085,7 @@
           <a:p>
             <a:fld id="{0CD11F3D-2B95-4A92-BCFD-96E47BDCDB76}" type="datetimeFigureOut">
               <a:rPr lang="en-IN" smtClean="0"/>
-              <a:t>04-10-2022</a:t>
+              <a:t>05-10-2022</a:t>
             </a:fld>
             <a:endParaRPr lang="en-IN"/>
           </a:p>
@@ -2398,7 +2398,7 @@
           <a:p>
             <a:fld id="{0CD11F3D-2B95-4A92-BCFD-96E47BDCDB76}" type="datetimeFigureOut">
               <a:rPr lang="en-IN" smtClean="0"/>
-              <a:t>04-10-2022</a:t>
+              <a:t>05-10-2022</a:t>
             </a:fld>
             <a:endParaRPr lang="en-IN"/>
           </a:p>
@@ -2687,7 +2687,7 @@
           <a:p>
             <a:fld id="{0CD11F3D-2B95-4A92-BCFD-96E47BDCDB76}" type="datetimeFigureOut">
               <a:rPr lang="en-IN" smtClean="0"/>
-              <a:t>04-10-2022</a:t>
+              <a:t>05-10-2022</a:t>
             </a:fld>
             <a:endParaRPr lang="en-IN"/>
           </a:p>
@@ -2930,7 +2930,7 @@
           <a:p>
             <a:fld id="{0CD11F3D-2B95-4A92-BCFD-96E47BDCDB76}" type="datetimeFigureOut">
               <a:rPr lang="en-IN" smtClean="0"/>
-              <a:t>04-10-2022</a:t>
+              <a:t>05-10-2022</a:t>
             </a:fld>
             <a:endParaRPr lang="en-IN"/>
           </a:p>
@@ -3362,7 +3362,7 @@
         <p:spPr>
           <a:xfrm>
             <a:off x="213064" y="248575"/>
-            <a:ext cx="11745157" cy="5078313"/>
+            <a:ext cx="11745157" cy="5632311"/>
           </a:xfrm>
           <a:prstGeom prst="rect">
             <a:avLst/>
@@ -3543,13 +3543,24 @@
             </a:pPr>
             <a:r>
               <a:rPr lang="en-IN" dirty="0"/>
-              <a:t>Practiced question on </a:t>
-            </a:r>
-            <a:r>
-              <a:rPr lang="en-IN"/>
-              <a:t>string compression</a:t>
-            </a:r>
-            <a:endParaRPr lang="en-IN" dirty="0"/>
+              <a:t>Practiced question on string compression</a:t>
+            </a:r>
+          </a:p>
+          <a:p>
+            <a:r>
+              <a:rPr lang="en-IN" dirty="0"/>
+              <a:t>Day 7:</a:t>
+            </a:r>
+          </a:p>
+          <a:p>
+            <a:pPr marL="285750" indent="-285750">
+              <a:buFont typeface="Arial" panose="020B0604020202020204" pitchFamily="34" charset="0"/>
+              <a:buChar char="•"/>
+            </a:pPr>
+            <a:r>
+              <a:rPr lang="en-IN" dirty="0"/>
+              <a:t>Learned Binary Search and practiced some questions on array.</a:t>
+            </a:r>
           </a:p>
         </p:txBody>
       </p:sp>

--- a/Stats.pptx
+++ b/Stats.pptx
@@ -261,7 +261,7 @@
           <a:p>
             <a:fld id="{0CD11F3D-2B95-4A92-BCFD-96E47BDCDB76}" type="datetimeFigureOut">
               <a:rPr lang="en-IN" smtClean="0"/>
-              <a:t>05-10-2022</a:t>
+              <a:t>06-10-2022</a:t>
             </a:fld>
             <a:endParaRPr lang="en-IN"/>
           </a:p>
@@ -461,7 +461,7 @@
           <a:p>
             <a:fld id="{0CD11F3D-2B95-4A92-BCFD-96E47BDCDB76}" type="datetimeFigureOut">
               <a:rPr lang="en-IN" smtClean="0"/>
-              <a:t>05-10-2022</a:t>
+              <a:t>06-10-2022</a:t>
             </a:fld>
             <a:endParaRPr lang="en-IN"/>
           </a:p>
@@ -671,7 +671,7 @@
           <a:p>
             <a:fld id="{0CD11F3D-2B95-4A92-BCFD-96E47BDCDB76}" type="datetimeFigureOut">
               <a:rPr lang="en-IN" smtClean="0"/>
-              <a:t>05-10-2022</a:t>
+              <a:t>06-10-2022</a:t>
             </a:fld>
             <a:endParaRPr lang="en-IN"/>
           </a:p>
@@ -871,7 +871,7 @@
           <a:p>
             <a:fld id="{0CD11F3D-2B95-4A92-BCFD-96E47BDCDB76}" type="datetimeFigureOut">
               <a:rPr lang="en-IN" smtClean="0"/>
-              <a:t>05-10-2022</a:t>
+              <a:t>06-10-2022</a:t>
             </a:fld>
             <a:endParaRPr lang="en-IN"/>
           </a:p>
@@ -1147,7 +1147,7 @@
           <a:p>
             <a:fld id="{0CD11F3D-2B95-4A92-BCFD-96E47BDCDB76}" type="datetimeFigureOut">
               <a:rPr lang="en-IN" smtClean="0"/>
-              <a:t>05-10-2022</a:t>
+              <a:t>06-10-2022</a:t>
             </a:fld>
             <a:endParaRPr lang="en-IN"/>
           </a:p>
@@ -1415,7 +1415,7 @@
           <a:p>
             <a:fld id="{0CD11F3D-2B95-4A92-BCFD-96E47BDCDB76}" type="datetimeFigureOut">
               <a:rPr lang="en-IN" smtClean="0"/>
-              <a:t>05-10-2022</a:t>
+              <a:t>06-10-2022</a:t>
             </a:fld>
             <a:endParaRPr lang="en-IN"/>
           </a:p>
@@ -1830,7 +1830,7 @@
           <a:p>
             <a:fld id="{0CD11F3D-2B95-4A92-BCFD-96E47BDCDB76}" type="datetimeFigureOut">
               <a:rPr lang="en-IN" smtClean="0"/>
-              <a:t>05-10-2022</a:t>
+              <a:t>06-10-2022</a:t>
             </a:fld>
             <a:endParaRPr lang="en-IN"/>
           </a:p>
@@ -1972,7 +1972,7 @@
           <a:p>
             <a:fld id="{0CD11F3D-2B95-4A92-BCFD-96E47BDCDB76}" type="datetimeFigureOut">
               <a:rPr lang="en-IN" smtClean="0"/>
-              <a:t>05-10-2022</a:t>
+              <a:t>06-10-2022</a:t>
             </a:fld>
             <a:endParaRPr lang="en-IN"/>
           </a:p>
@@ -2085,7 +2085,7 @@
           <a:p>
             <a:fld id="{0CD11F3D-2B95-4A92-BCFD-96E47BDCDB76}" type="datetimeFigureOut">
               <a:rPr lang="en-IN" smtClean="0"/>
-              <a:t>05-10-2022</a:t>
+              <a:t>06-10-2022</a:t>
             </a:fld>
             <a:endParaRPr lang="en-IN"/>
           </a:p>
@@ -2398,7 +2398,7 @@
           <a:p>
             <a:fld id="{0CD11F3D-2B95-4A92-BCFD-96E47BDCDB76}" type="datetimeFigureOut">
               <a:rPr lang="en-IN" smtClean="0"/>
-              <a:t>05-10-2022</a:t>
+              <a:t>06-10-2022</a:t>
             </a:fld>
             <a:endParaRPr lang="en-IN"/>
           </a:p>
@@ -2687,7 +2687,7 @@
           <a:p>
             <a:fld id="{0CD11F3D-2B95-4A92-BCFD-96E47BDCDB76}" type="datetimeFigureOut">
               <a:rPr lang="en-IN" smtClean="0"/>
-              <a:t>05-10-2022</a:t>
+              <a:t>06-10-2022</a:t>
             </a:fld>
             <a:endParaRPr lang="en-IN"/>
           </a:p>
@@ -2930,7 +2930,7 @@
           <a:p>
             <a:fld id="{0CD11F3D-2B95-4A92-BCFD-96E47BDCDB76}" type="datetimeFigureOut">
               <a:rPr lang="en-IN" smtClean="0"/>
-              <a:t>05-10-2022</a:t>
+              <a:t>06-10-2022</a:t>
             </a:fld>
             <a:endParaRPr lang="en-IN"/>
           </a:p>
@@ -3362,7 +3362,7 @@
         <p:spPr>
           <a:xfrm>
             <a:off x="213064" y="248575"/>
-            <a:ext cx="11745157" cy="5632311"/>
+            <a:ext cx="11745157" cy="6186309"/>
           </a:xfrm>
           <a:prstGeom prst="rect">
             <a:avLst/>
@@ -3561,6 +3561,27 @@
               <a:rPr lang="en-IN" dirty="0"/>
               <a:t>Learned Binary Search and practiced some questions on array.</a:t>
             </a:r>
+          </a:p>
+          <a:p>
+            <a:r>
+              <a:rPr lang="en-US" dirty="0"/>
+              <a:t>D</a:t>
+            </a:r>
+            <a:r>
+              <a:rPr lang="en-IN" dirty="0"/>
+              <a:t>ay 8:</a:t>
+            </a:r>
+          </a:p>
+          <a:p>
+            <a:pPr marL="285750" indent="-285750">
+              <a:buFont typeface="Arial" panose="020B0604020202020204" pitchFamily="34" charset="0"/>
+              <a:buChar char="•"/>
+            </a:pPr>
+            <a:r>
+              <a:rPr lang="en-US" dirty="0"/>
+              <a:t>Solved a problem on strings (Palindromic Substring)</a:t>
+            </a:r>
+            <a:endParaRPr lang="en-IN" dirty="0"/>
           </a:p>
         </p:txBody>
       </p:sp>

--- a/Stats.pptx
+++ b/Stats.pptx
@@ -6,6 +6,7 @@
   </p:sldMasterIdLst>
   <p:sldIdLst>
     <p:sldId id="256" r:id="rId2"/>
+    <p:sldId id="258" r:id="rId3"/>
   </p:sldIdLst>
   <p:sldSz cx="12192000" cy="6858000"/>
   <p:notesSz cx="6858000" cy="9144000"/>
@@ -261,7 +262,7 @@
           <a:p>
             <a:fld id="{0CD11F3D-2B95-4A92-BCFD-96E47BDCDB76}" type="datetimeFigureOut">
               <a:rPr lang="en-IN" smtClean="0"/>
-              <a:t>06-10-2022</a:t>
+              <a:t>07-10-2022</a:t>
             </a:fld>
             <a:endParaRPr lang="en-IN"/>
           </a:p>
@@ -461,7 +462,7 @@
           <a:p>
             <a:fld id="{0CD11F3D-2B95-4A92-BCFD-96E47BDCDB76}" type="datetimeFigureOut">
               <a:rPr lang="en-IN" smtClean="0"/>
-              <a:t>06-10-2022</a:t>
+              <a:t>07-10-2022</a:t>
             </a:fld>
             <a:endParaRPr lang="en-IN"/>
           </a:p>
@@ -671,7 +672,7 @@
           <a:p>
             <a:fld id="{0CD11F3D-2B95-4A92-BCFD-96E47BDCDB76}" type="datetimeFigureOut">
               <a:rPr lang="en-IN" smtClean="0"/>
-              <a:t>06-10-2022</a:t>
+              <a:t>07-10-2022</a:t>
             </a:fld>
             <a:endParaRPr lang="en-IN"/>
           </a:p>
@@ -871,7 +872,7 @@
           <a:p>
             <a:fld id="{0CD11F3D-2B95-4A92-BCFD-96E47BDCDB76}" type="datetimeFigureOut">
               <a:rPr lang="en-IN" smtClean="0"/>
-              <a:t>06-10-2022</a:t>
+              <a:t>07-10-2022</a:t>
             </a:fld>
             <a:endParaRPr lang="en-IN"/>
           </a:p>
@@ -1147,7 +1148,7 @@
           <a:p>
             <a:fld id="{0CD11F3D-2B95-4A92-BCFD-96E47BDCDB76}" type="datetimeFigureOut">
               <a:rPr lang="en-IN" smtClean="0"/>
-              <a:t>06-10-2022</a:t>
+              <a:t>07-10-2022</a:t>
             </a:fld>
             <a:endParaRPr lang="en-IN"/>
           </a:p>
@@ -1415,7 +1416,7 @@
           <a:p>
             <a:fld id="{0CD11F3D-2B95-4A92-BCFD-96E47BDCDB76}" type="datetimeFigureOut">
               <a:rPr lang="en-IN" smtClean="0"/>
-              <a:t>06-10-2022</a:t>
+              <a:t>07-10-2022</a:t>
             </a:fld>
             <a:endParaRPr lang="en-IN"/>
           </a:p>
@@ -1830,7 +1831,7 @@
           <a:p>
             <a:fld id="{0CD11F3D-2B95-4A92-BCFD-96E47BDCDB76}" type="datetimeFigureOut">
               <a:rPr lang="en-IN" smtClean="0"/>
-              <a:t>06-10-2022</a:t>
+              <a:t>07-10-2022</a:t>
             </a:fld>
             <a:endParaRPr lang="en-IN"/>
           </a:p>
@@ -1972,7 +1973,7 @@
           <a:p>
             <a:fld id="{0CD11F3D-2B95-4A92-BCFD-96E47BDCDB76}" type="datetimeFigureOut">
               <a:rPr lang="en-IN" smtClean="0"/>
-              <a:t>06-10-2022</a:t>
+              <a:t>07-10-2022</a:t>
             </a:fld>
             <a:endParaRPr lang="en-IN"/>
           </a:p>
@@ -2085,7 +2086,7 @@
           <a:p>
             <a:fld id="{0CD11F3D-2B95-4A92-BCFD-96E47BDCDB76}" type="datetimeFigureOut">
               <a:rPr lang="en-IN" smtClean="0"/>
-              <a:t>06-10-2022</a:t>
+              <a:t>07-10-2022</a:t>
             </a:fld>
             <a:endParaRPr lang="en-IN"/>
           </a:p>
@@ -2398,7 +2399,7 @@
           <a:p>
             <a:fld id="{0CD11F3D-2B95-4A92-BCFD-96E47BDCDB76}" type="datetimeFigureOut">
               <a:rPr lang="en-IN" smtClean="0"/>
-              <a:t>06-10-2022</a:t>
+              <a:t>07-10-2022</a:t>
             </a:fld>
             <a:endParaRPr lang="en-IN"/>
           </a:p>
@@ -2687,7 +2688,7 @@
           <a:p>
             <a:fld id="{0CD11F3D-2B95-4A92-BCFD-96E47BDCDB76}" type="datetimeFigureOut">
               <a:rPr lang="en-IN" smtClean="0"/>
-              <a:t>06-10-2022</a:t>
+              <a:t>07-10-2022</a:t>
             </a:fld>
             <a:endParaRPr lang="en-IN"/>
           </a:p>
@@ -2930,7 +2931,7 @@
           <a:p>
             <a:fld id="{0CD11F3D-2B95-4A92-BCFD-96E47BDCDB76}" type="datetimeFigureOut">
               <a:rPr lang="en-IN" smtClean="0"/>
-              <a:t>06-10-2022</a:t>
+              <a:t>07-10-2022</a:t>
             </a:fld>
             <a:endParaRPr lang="en-IN"/>
           </a:p>
@@ -3581,7 +3582,6 @@
               <a:rPr lang="en-US" dirty="0"/>
               <a:t>Solved a problem on strings (Palindromic Substring)</a:t>
             </a:r>
-            <a:endParaRPr lang="en-IN" dirty="0"/>
           </a:p>
         </p:txBody>
       </p:sp>
@@ -3589,6 +3589,86 @@
     <p:extLst>
       <p:ext uri="{BB962C8B-B14F-4D97-AF65-F5344CB8AC3E}">
         <p14:creationId xmlns:p14="http://schemas.microsoft.com/office/powerpoint/2010/main" val="2512883044"/>
+      </p:ext>
+    </p:extLst>
+  </p:cSld>
+  <p:clrMapOvr>
+    <a:masterClrMapping/>
+  </p:clrMapOvr>
+</p:sld>
+</file>
+
+<file path=ppt/slides/slide2.xml><?xml version="1.0" encoding="utf-8"?>
+<p:sld xmlns:a="http://schemas.openxmlformats.org/drawingml/2006/main" xmlns:r="http://schemas.openxmlformats.org/officeDocument/2006/relationships" xmlns:p="http://schemas.openxmlformats.org/presentationml/2006/main">
+  <p:cSld>
+    <p:spTree>
+      <p:nvGrpSpPr>
+        <p:cNvPr id="1" name=""/>
+        <p:cNvGrpSpPr/>
+        <p:nvPr/>
+      </p:nvGrpSpPr>
+      <p:grpSpPr>
+        <a:xfrm>
+          <a:off x="0" y="0"/>
+          <a:ext cx="0" cy="0"/>
+          <a:chOff x="0" y="0"/>
+          <a:chExt cx="0" cy="0"/>
+        </a:xfrm>
+      </p:grpSpPr>
+      <p:sp>
+        <p:nvSpPr>
+          <p:cNvPr id="4" name="TextBox 3">
+            <a:extLst>
+              <a:ext uri="{FF2B5EF4-FFF2-40B4-BE49-F238E27FC236}">
+                <a16:creationId xmlns:a16="http://schemas.microsoft.com/office/drawing/2014/main" id="{CA59DFAC-E1AB-4EE7-B4A9-5D5ED8252486}"/>
+              </a:ext>
+            </a:extLst>
+          </p:cNvPr>
+          <p:cNvSpPr txBox="1"/>
+          <p:nvPr/>
+        </p:nvSpPr>
+        <p:spPr>
+          <a:xfrm>
+            <a:off x="213064" y="248575"/>
+            <a:ext cx="11745157" cy="646331"/>
+          </a:xfrm>
+          <a:prstGeom prst="rect">
+            <a:avLst/>
+          </a:prstGeom>
+          <a:noFill/>
+        </p:spPr>
+        <p:txBody>
+          <a:bodyPr wrap="square" rtlCol="0">
+            <a:spAutoFit/>
+          </a:bodyPr>
+          <a:lstStyle/>
+          <a:p>
+            <a:r>
+              <a:rPr lang="en-US" dirty="0"/>
+              <a:t>Day 9:</a:t>
+            </a:r>
+          </a:p>
+          <a:p>
+            <a:pPr marL="285750" indent="-285750">
+              <a:buFont typeface="Arial" panose="020B0604020202020204" pitchFamily="34" charset="0"/>
+              <a:buChar char="•"/>
+            </a:pPr>
+            <a:r>
+              <a:rPr lang="en-US" dirty="0"/>
+              <a:t>Learned about insertion sort </a:t>
+            </a:r>
+            <a:r>
+              <a:rPr lang="en-US"/>
+              <a:t>and implemented it.</a:t>
+            </a:r>
+            <a:endParaRPr lang="en-US" dirty="0"/>
+          </a:p>
+        </p:txBody>
+      </p:sp>
+    </p:spTree>
+    <p:extLst>
+      <p:ext uri="{BB962C8B-B14F-4D97-AF65-F5344CB8AC3E}">
+        <p14:creationId xmlns:p14="http://schemas.microsoft.com/office/powerpoint/2010/main" val="2995219518"/>
       </p:ext>
     </p:extLst>
   </p:cSld>

--- a/Stats.pptx
+++ b/Stats.pptx
@@ -262,7 +262,7 @@
           <a:p>
             <a:fld id="{0CD11F3D-2B95-4A92-BCFD-96E47BDCDB76}" type="datetimeFigureOut">
               <a:rPr lang="en-IN" smtClean="0"/>
-              <a:t>07-10-2022</a:t>
+              <a:t>08-10-2022</a:t>
             </a:fld>
             <a:endParaRPr lang="en-IN"/>
           </a:p>
@@ -462,7 +462,7 @@
           <a:p>
             <a:fld id="{0CD11F3D-2B95-4A92-BCFD-96E47BDCDB76}" type="datetimeFigureOut">
               <a:rPr lang="en-IN" smtClean="0"/>
-              <a:t>07-10-2022</a:t>
+              <a:t>08-10-2022</a:t>
             </a:fld>
             <a:endParaRPr lang="en-IN"/>
           </a:p>
@@ -672,7 +672,7 @@
           <a:p>
             <a:fld id="{0CD11F3D-2B95-4A92-BCFD-96E47BDCDB76}" type="datetimeFigureOut">
               <a:rPr lang="en-IN" smtClean="0"/>
-              <a:t>07-10-2022</a:t>
+              <a:t>08-10-2022</a:t>
             </a:fld>
             <a:endParaRPr lang="en-IN"/>
           </a:p>
@@ -872,7 +872,7 @@
           <a:p>
             <a:fld id="{0CD11F3D-2B95-4A92-BCFD-96E47BDCDB76}" type="datetimeFigureOut">
               <a:rPr lang="en-IN" smtClean="0"/>
-              <a:t>07-10-2022</a:t>
+              <a:t>08-10-2022</a:t>
             </a:fld>
             <a:endParaRPr lang="en-IN"/>
           </a:p>
@@ -1148,7 +1148,7 @@
           <a:p>
             <a:fld id="{0CD11F3D-2B95-4A92-BCFD-96E47BDCDB76}" type="datetimeFigureOut">
               <a:rPr lang="en-IN" smtClean="0"/>
-              <a:t>07-10-2022</a:t>
+              <a:t>08-10-2022</a:t>
             </a:fld>
             <a:endParaRPr lang="en-IN"/>
           </a:p>
@@ -1416,7 +1416,7 @@
           <a:p>
             <a:fld id="{0CD11F3D-2B95-4A92-BCFD-96E47BDCDB76}" type="datetimeFigureOut">
               <a:rPr lang="en-IN" smtClean="0"/>
-              <a:t>07-10-2022</a:t>
+              <a:t>08-10-2022</a:t>
             </a:fld>
             <a:endParaRPr lang="en-IN"/>
           </a:p>
@@ -1831,7 +1831,7 @@
           <a:p>
             <a:fld id="{0CD11F3D-2B95-4A92-BCFD-96E47BDCDB76}" type="datetimeFigureOut">
               <a:rPr lang="en-IN" smtClean="0"/>
-              <a:t>07-10-2022</a:t>
+              <a:t>08-10-2022</a:t>
             </a:fld>
             <a:endParaRPr lang="en-IN"/>
           </a:p>
@@ -1973,7 +1973,7 @@
           <a:p>
             <a:fld id="{0CD11F3D-2B95-4A92-BCFD-96E47BDCDB76}" type="datetimeFigureOut">
               <a:rPr lang="en-IN" smtClean="0"/>
-              <a:t>07-10-2022</a:t>
+              <a:t>08-10-2022</a:t>
             </a:fld>
             <a:endParaRPr lang="en-IN"/>
           </a:p>
@@ -2086,7 +2086,7 @@
           <a:p>
             <a:fld id="{0CD11F3D-2B95-4A92-BCFD-96E47BDCDB76}" type="datetimeFigureOut">
               <a:rPr lang="en-IN" smtClean="0"/>
-              <a:t>07-10-2022</a:t>
+              <a:t>08-10-2022</a:t>
             </a:fld>
             <a:endParaRPr lang="en-IN"/>
           </a:p>
@@ -2399,7 +2399,7 @@
           <a:p>
             <a:fld id="{0CD11F3D-2B95-4A92-BCFD-96E47BDCDB76}" type="datetimeFigureOut">
               <a:rPr lang="en-IN" smtClean="0"/>
-              <a:t>07-10-2022</a:t>
+              <a:t>08-10-2022</a:t>
             </a:fld>
             <a:endParaRPr lang="en-IN"/>
           </a:p>
@@ -2688,7 +2688,7 @@
           <a:p>
             <a:fld id="{0CD11F3D-2B95-4A92-BCFD-96E47BDCDB76}" type="datetimeFigureOut">
               <a:rPr lang="en-IN" smtClean="0"/>
-              <a:t>07-10-2022</a:t>
+              <a:t>08-10-2022</a:t>
             </a:fld>
             <a:endParaRPr lang="en-IN"/>
           </a:p>
@@ -2931,7 +2931,7 @@
           <a:p>
             <a:fld id="{0CD11F3D-2B95-4A92-BCFD-96E47BDCDB76}" type="datetimeFigureOut">
               <a:rPr lang="en-IN" smtClean="0"/>
-              <a:t>07-10-2022</a:t>
+              <a:t>08-10-2022</a:t>
             </a:fld>
             <a:endParaRPr lang="en-IN"/>
           </a:p>
@@ -3629,8 +3629,8 @@
         </p:nvSpPr>
         <p:spPr>
           <a:xfrm>
-            <a:off x="213064" y="248575"/>
-            <a:ext cx="11745157" cy="646331"/>
+            <a:off x="213064" y="216258"/>
+            <a:ext cx="11745157" cy="1477328"/>
           </a:xfrm>
           <a:prstGeom prst="rect">
             <a:avLst/>
@@ -3655,12 +3655,26 @@
             </a:pPr>
             <a:r>
               <a:rPr lang="en-US" dirty="0"/>
-              <a:t>Learned about insertion sort </a:t>
-            </a:r>
-            <a:r>
-              <a:rPr lang="en-US"/>
-              <a:t>and implemented it.</a:t>
-            </a:r>
+              <a:t>Learned about insertion sort and implemented it.</a:t>
+            </a:r>
+          </a:p>
+          <a:p>
+            <a:r>
+              <a:rPr lang="en-US" dirty="0"/>
+              <a:t>Day 10:</a:t>
+            </a:r>
+          </a:p>
+          <a:p>
+            <a:pPr marL="285750" indent="-285750">
+              <a:buFont typeface="Arial" panose="020B0604020202020204" pitchFamily="34" charset="0"/>
+              <a:buChar char="•"/>
+            </a:pPr>
+            <a:r>
+              <a:rPr lang="en-US" dirty="0"/>
+              <a:t>Learned about bubble sort and implemented it.</a:t>
+            </a:r>
+          </a:p>
+          <a:p>
             <a:endParaRPr lang="en-US" dirty="0"/>
           </a:p>
         </p:txBody>
